--- a/ВКР/Презентация.pptx
+++ b/ВКР/Презентация.pptx
@@ -8205,10 +8205,10 @@
       </p:sp>
       <p:pic>
         <p:nvPicPr>
-          <p:cNvPr id="6" name="Рисунок 5">
+          <p:cNvPr id="8" name="Рисунок 7">
             <a:extLst>
               <a:ext uri="{FF2B5EF4-FFF2-40B4-BE49-F238E27FC236}">
-                <a16:creationId xmlns:a16="http://schemas.microsoft.com/office/drawing/2014/main" id="{CD00A5DE-27A7-4DF8-85E0-C2122559A2FB}"/>
+                <a16:creationId xmlns:a16="http://schemas.microsoft.com/office/drawing/2014/main" id="{986841D4-5F90-4B63-8F19-4B0D2248ACDC}"/>
               </a:ext>
             </a:extLst>
           </p:cNvPr>
@@ -8231,8 +8231,8 @@
         </p:blipFill>
         <p:spPr>
           <a:xfrm>
-            <a:off x="751681" y="1047750"/>
-            <a:ext cx="10688637" cy="5718571"/>
+            <a:off x="750139" y="1047750"/>
+            <a:ext cx="10691722" cy="5710238"/>
           </a:xfrm>
           <a:prstGeom prst="rect">
             <a:avLst/>

--- a/ВКР/Презентация.pptx
+++ b/ВКР/Презентация.pptx
@@ -8231,15 +8231,15 @@
         </p:blipFill>
         <p:spPr>
           <a:xfrm>
-            <a:off x="750139" y="1047750"/>
-            <a:ext cx="10691722" cy="5710238"/>
+            <a:off x="859631" y="1047750"/>
+            <a:ext cx="10472738" cy="5593283"/>
           </a:xfrm>
           <a:prstGeom prst="rect">
             <a:avLst/>
           </a:prstGeom>
           <a:ln>
             <a:solidFill>
-              <a:schemeClr val="tx1"/>
+              <a:srgbClr val="000000"/>
             </a:solidFill>
           </a:ln>
         </p:spPr>

--- a/ВКР/Презентация.pptx
+++ b/ВКР/Презентация.pptx
@@ -4369,13 +4369,13 @@
         </p:nvSpPr>
         <p:spPr>
           <a:xfrm>
-            <a:off x="199400" y="2280914"/>
-            <a:ext cx="11793196" cy="2387600"/>
+            <a:off x="199402" y="2463971"/>
+            <a:ext cx="11793196" cy="1790933"/>
           </a:xfrm>
         </p:spPr>
         <p:txBody>
           <a:bodyPr>
-            <a:normAutofit/>
+            <a:normAutofit fontScale="90000"/>
           </a:bodyPr>
           <a:lstStyle/>
           <a:p>
@@ -4408,7 +4408,7 @@
         </p:nvSpPr>
         <p:spPr>
           <a:xfrm>
-            <a:off x="4305031" y="5561548"/>
+            <a:off x="4305026" y="5770874"/>
             <a:ext cx="3581937" cy="508475"/>
           </a:xfrm>
         </p:spPr>
@@ -4494,7 +4494,7 @@
         </p:nvSpPr>
         <p:spPr>
           <a:xfrm>
-            <a:off x="3447779" y="6093056"/>
+            <a:off x="3447777" y="6185270"/>
             <a:ext cx="5296437" cy="508475"/>
           </a:xfrm>
           <a:prstGeom prst="rect">
@@ -5027,6 +5027,387 @@
             <a:r>
               <a:rPr lang="ru-RU" dirty="0"/>
               <a:t>«Севастопольский государственный университет»</a:t>
+            </a:r>
+          </a:p>
+        </p:txBody>
+      </p:sp>
+      <p:sp>
+        <p:nvSpPr>
+          <p:cNvPr id="8" name="Подзаголовок 2">
+            <a:extLst>
+              <a:ext uri="{FF2B5EF4-FFF2-40B4-BE49-F238E27FC236}">
+                <a16:creationId xmlns:a16="http://schemas.microsoft.com/office/drawing/2014/main" id="{A3AEB2EF-A801-446E-A84C-FDF2501B86C7}"/>
+              </a:ext>
+            </a:extLst>
+          </p:cNvPr>
+          <p:cNvSpPr txBox="1">
+            <a:spLocks/>
+          </p:cNvSpPr>
+          <p:nvPr/>
+        </p:nvSpPr>
+        <p:spPr>
+          <a:xfrm>
+            <a:off x="6597918" y="4537484"/>
+            <a:ext cx="5878943" cy="1050333"/>
+          </a:xfrm>
+          <a:prstGeom prst="rect">
+            <a:avLst/>
+          </a:prstGeom>
+        </p:spPr>
+        <p:txBody>
+          <a:bodyPr vert="horz" lIns="91440" tIns="45720" rIns="91440" bIns="45720" rtlCol="0">
+            <a:normAutofit fontScale="92500" lnSpcReduction="20000"/>
+          </a:bodyPr>
+          <a:lstStyle>
+            <a:lvl1pPr marL="0" indent="0" algn="ctr" defTabSz="914400" rtl="0" eaLnBrk="1" latinLnBrk="0" hangingPunct="1">
+              <a:spcBef>
+                <a:spcPct val="20000"/>
+              </a:spcBef>
+              <a:buFont typeface="Arial" panose="020B0604020202020204" pitchFamily="34" charset="0"/>
+              <a:buNone/>
+              <a:defRPr sz="2400" kern="1200">
+                <a:solidFill>
+                  <a:schemeClr val="bg2">
+                    <a:lumMod val="50000"/>
+                  </a:schemeClr>
+                </a:solidFill>
+                <a:latin typeface="+mn-lt"/>
+                <a:ea typeface="+mn-ea"/>
+                <a:cs typeface="+mn-cs"/>
+              </a:defRPr>
+            </a:lvl1pPr>
+            <a:lvl2pPr marL="457200" indent="0" algn="ctr" defTabSz="914400" rtl="0" eaLnBrk="1" latinLnBrk="0" hangingPunct="1">
+              <a:spcBef>
+                <a:spcPct val="20000"/>
+              </a:spcBef>
+              <a:buFont typeface="Arial" panose="020B0604020202020204" pitchFamily="34" charset="0"/>
+              <a:buNone/>
+              <a:defRPr sz="2000" kern="1200">
+                <a:solidFill>
+                  <a:schemeClr val="bg2">
+                    <a:lumMod val="50000"/>
+                  </a:schemeClr>
+                </a:solidFill>
+                <a:latin typeface="+mn-lt"/>
+                <a:ea typeface="+mn-ea"/>
+                <a:cs typeface="+mn-cs"/>
+              </a:defRPr>
+            </a:lvl2pPr>
+            <a:lvl3pPr marL="914400" indent="0" algn="ctr" defTabSz="914400" rtl="0" eaLnBrk="1" latinLnBrk="0" hangingPunct="1">
+              <a:spcBef>
+                <a:spcPct val="20000"/>
+              </a:spcBef>
+              <a:buFont typeface="Arial" panose="020B0604020202020204" pitchFamily="34" charset="0"/>
+              <a:buNone/>
+              <a:defRPr sz="1800" kern="1200">
+                <a:solidFill>
+                  <a:schemeClr val="bg2">
+                    <a:lumMod val="50000"/>
+                  </a:schemeClr>
+                </a:solidFill>
+                <a:latin typeface="+mn-lt"/>
+                <a:ea typeface="+mn-ea"/>
+                <a:cs typeface="+mn-cs"/>
+              </a:defRPr>
+            </a:lvl3pPr>
+            <a:lvl4pPr marL="1371600" indent="0" algn="ctr" defTabSz="914400" rtl="0" eaLnBrk="1" latinLnBrk="0" hangingPunct="1">
+              <a:spcBef>
+                <a:spcPct val="20000"/>
+              </a:spcBef>
+              <a:buFont typeface="Arial" panose="020B0604020202020204" pitchFamily="34" charset="0"/>
+              <a:buNone/>
+              <a:defRPr sz="1600" kern="1200">
+                <a:solidFill>
+                  <a:schemeClr val="bg2">
+                    <a:lumMod val="50000"/>
+                  </a:schemeClr>
+                </a:solidFill>
+                <a:latin typeface="+mn-lt"/>
+                <a:ea typeface="+mn-ea"/>
+                <a:cs typeface="+mn-cs"/>
+              </a:defRPr>
+            </a:lvl4pPr>
+            <a:lvl5pPr marL="1828800" indent="0" algn="ctr" defTabSz="914400" rtl="0" eaLnBrk="1" latinLnBrk="0" hangingPunct="1">
+              <a:spcBef>
+                <a:spcPct val="20000"/>
+              </a:spcBef>
+              <a:buFont typeface="Arial" panose="020B0604020202020204" pitchFamily="34" charset="0"/>
+              <a:buNone/>
+              <a:defRPr sz="1600" kern="1200">
+                <a:solidFill>
+                  <a:schemeClr val="bg2">
+                    <a:lumMod val="50000"/>
+                  </a:schemeClr>
+                </a:solidFill>
+                <a:latin typeface="+mn-lt"/>
+                <a:ea typeface="+mn-ea"/>
+                <a:cs typeface="+mn-cs"/>
+              </a:defRPr>
+            </a:lvl5pPr>
+            <a:lvl6pPr marL="2286000" indent="0" algn="ctr" defTabSz="914400" rtl="0" eaLnBrk="1" latinLnBrk="0" hangingPunct="1">
+              <a:spcBef>
+                <a:spcPct val="20000"/>
+              </a:spcBef>
+              <a:buFont typeface="Arial" panose="020B0604020202020204" pitchFamily="34" charset="0"/>
+              <a:buNone/>
+              <a:defRPr sz="1600" kern="1200">
+                <a:solidFill>
+                  <a:schemeClr val="tx1"/>
+                </a:solidFill>
+                <a:latin typeface="+mn-lt"/>
+                <a:ea typeface="+mn-ea"/>
+                <a:cs typeface="+mn-cs"/>
+              </a:defRPr>
+            </a:lvl6pPr>
+            <a:lvl7pPr marL="2743200" indent="0" algn="ctr" defTabSz="914400" rtl="0" eaLnBrk="1" latinLnBrk="0" hangingPunct="1">
+              <a:spcBef>
+                <a:spcPct val="20000"/>
+              </a:spcBef>
+              <a:buFont typeface="Arial" panose="020B0604020202020204" pitchFamily="34" charset="0"/>
+              <a:buNone/>
+              <a:defRPr sz="1600" kern="1200">
+                <a:solidFill>
+                  <a:schemeClr val="tx1"/>
+                </a:solidFill>
+                <a:latin typeface="+mn-lt"/>
+                <a:ea typeface="+mn-ea"/>
+                <a:cs typeface="+mn-cs"/>
+              </a:defRPr>
+            </a:lvl7pPr>
+            <a:lvl8pPr marL="3200400" indent="0" algn="ctr" defTabSz="914400" rtl="0" eaLnBrk="1" latinLnBrk="0" hangingPunct="1">
+              <a:spcBef>
+                <a:spcPct val="20000"/>
+              </a:spcBef>
+              <a:buFont typeface="Arial" panose="020B0604020202020204" pitchFamily="34" charset="0"/>
+              <a:buNone/>
+              <a:defRPr sz="1600" kern="1200">
+                <a:solidFill>
+                  <a:schemeClr val="tx1"/>
+                </a:solidFill>
+                <a:latin typeface="+mn-lt"/>
+                <a:ea typeface="+mn-ea"/>
+                <a:cs typeface="+mn-cs"/>
+              </a:defRPr>
+            </a:lvl8pPr>
+            <a:lvl9pPr marL="3657600" indent="0" algn="ctr" defTabSz="914400" rtl="0" eaLnBrk="1" latinLnBrk="0" hangingPunct="1">
+              <a:spcBef>
+                <a:spcPct val="20000"/>
+              </a:spcBef>
+              <a:buFont typeface="Arial" panose="020B0604020202020204" pitchFamily="34" charset="0"/>
+              <a:buNone/>
+              <a:defRPr sz="1600" kern="1200">
+                <a:solidFill>
+                  <a:schemeClr val="tx1"/>
+                </a:solidFill>
+                <a:latin typeface="+mn-lt"/>
+                <a:ea typeface="+mn-ea"/>
+                <a:cs typeface="+mn-cs"/>
+              </a:defRPr>
+            </a:lvl9pPr>
+          </a:lstStyle>
+          <a:p>
+            <a:pPr algn="l"/>
+            <a:r>
+              <a:rPr lang="ru-RU" dirty="0"/>
+              <a:t>Руководитель: доцент кафедры «Информационные системы»,</a:t>
+            </a:r>
+          </a:p>
+          <a:p>
+            <a:pPr algn="l"/>
+            <a:r>
+              <a:rPr lang="ru-RU" dirty="0"/>
+              <a:t>к.т.н. </a:t>
+            </a:r>
+            <a:r>
+              <a:rPr lang="ru-RU" dirty="0" err="1"/>
+              <a:t>Карлусов</a:t>
+            </a:r>
+            <a:r>
+              <a:rPr lang="ru-RU" dirty="0"/>
+              <a:t> Вадим Юрьевич</a:t>
+            </a:r>
+          </a:p>
+        </p:txBody>
+      </p:sp>
+      <p:sp>
+        <p:nvSpPr>
+          <p:cNvPr id="9" name="Подзаголовок 2">
+            <a:extLst>
+              <a:ext uri="{FF2B5EF4-FFF2-40B4-BE49-F238E27FC236}">
+                <a16:creationId xmlns:a16="http://schemas.microsoft.com/office/drawing/2014/main" id="{3201E810-5D43-4B6A-9ED9-AF6968D59643}"/>
+              </a:ext>
+            </a:extLst>
+          </p:cNvPr>
+          <p:cNvSpPr txBox="1">
+            <a:spLocks/>
+          </p:cNvSpPr>
+          <p:nvPr/>
+        </p:nvSpPr>
+        <p:spPr>
+          <a:xfrm>
+            <a:off x="4070216" y="3780978"/>
+            <a:ext cx="4051567" cy="656983"/>
+          </a:xfrm>
+          <a:prstGeom prst="rect">
+            <a:avLst/>
+          </a:prstGeom>
+        </p:spPr>
+        <p:txBody>
+          <a:bodyPr vert="horz" lIns="91440" tIns="45720" rIns="91440" bIns="45720" rtlCol="0">
+            <a:normAutofit/>
+          </a:bodyPr>
+          <a:lstStyle>
+            <a:lvl1pPr marL="0" indent="0" algn="ctr" defTabSz="914400" rtl="0" eaLnBrk="1" latinLnBrk="0" hangingPunct="1">
+              <a:spcBef>
+                <a:spcPct val="20000"/>
+              </a:spcBef>
+              <a:buFont typeface="Arial" panose="020B0604020202020204" pitchFamily="34" charset="0"/>
+              <a:buNone/>
+              <a:defRPr sz="2400" kern="1200">
+                <a:solidFill>
+                  <a:schemeClr val="bg2">
+                    <a:lumMod val="50000"/>
+                  </a:schemeClr>
+                </a:solidFill>
+                <a:latin typeface="+mn-lt"/>
+                <a:ea typeface="+mn-ea"/>
+                <a:cs typeface="+mn-cs"/>
+              </a:defRPr>
+            </a:lvl1pPr>
+            <a:lvl2pPr marL="457200" indent="0" algn="ctr" defTabSz="914400" rtl="0" eaLnBrk="1" latinLnBrk="0" hangingPunct="1">
+              <a:spcBef>
+                <a:spcPct val="20000"/>
+              </a:spcBef>
+              <a:buFont typeface="Arial" panose="020B0604020202020204" pitchFamily="34" charset="0"/>
+              <a:buNone/>
+              <a:defRPr sz="2000" kern="1200">
+                <a:solidFill>
+                  <a:schemeClr val="bg2">
+                    <a:lumMod val="50000"/>
+                  </a:schemeClr>
+                </a:solidFill>
+                <a:latin typeface="+mn-lt"/>
+                <a:ea typeface="+mn-ea"/>
+                <a:cs typeface="+mn-cs"/>
+              </a:defRPr>
+            </a:lvl2pPr>
+            <a:lvl3pPr marL="914400" indent="0" algn="ctr" defTabSz="914400" rtl="0" eaLnBrk="1" latinLnBrk="0" hangingPunct="1">
+              <a:spcBef>
+                <a:spcPct val="20000"/>
+              </a:spcBef>
+              <a:buFont typeface="Arial" panose="020B0604020202020204" pitchFamily="34" charset="0"/>
+              <a:buNone/>
+              <a:defRPr sz="1800" kern="1200">
+                <a:solidFill>
+                  <a:schemeClr val="bg2">
+                    <a:lumMod val="50000"/>
+                  </a:schemeClr>
+                </a:solidFill>
+                <a:latin typeface="+mn-lt"/>
+                <a:ea typeface="+mn-ea"/>
+                <a:cs typeface="+mn-cs"/>
+              </a:defRPr>
+            </a:lvl3pPr>
+            <a:lvl4pPr marL="1371600" indent="0" algn="ctr" defTabSz="914400" rtl="0" eaLnBrk="1" latinLnBrk="0" hangingPunct="1">
+              <a:spcBef>
+                <a:spcPct val="20000"/>
+              </a:spcBef>
+              <a:buFont typeface="Arial" panose="020B0604020202020204" pitchFamily="34" charset="0"/>
+              <a:buNone/>
+              <a:defRPr sz="1600" kern="1200">
+                <a:solidFill>
+                  <a:schemeClr val="bg2">
+                    <a:lumMod val="50000"/>
+                  </a:schemeClr>
+                </a:solidFill>
+                <a:latin typeface="+mn-lt"/>
+                <a:ea typeface="+mn-ea"/>
+                <a:cs typeface="+mn-cs"/>
+              </a:defRPr>
+            </a:lvl4pPr>
+            <a:lvl5pPr marL="1828800" indent="0" algn="ctr" defTabSz="914400" rtl="0" eaLnBrk="1" latinLnBrk="0" hangingPunct="1">
+              <a:spcBef>
+                <a:spcPct val="20000"/>
+              </a:spcBef>
+              <a:buFont typeface="Arial" panose="020B0604020202020204" pitchFamily="34" charset="0"/>
+              <a:buNone/>
+              <a:defRPr sz="1600" kern="1200">
+                <a:solidFill>
+                  <a:schemeClr val="bg2">
+                    <a:lumMod val="50000"/>
+                  </a:schemeClr>
+                </a:solidFill>
+                <a:latin typeface="+mn-lt"/>
+                <a:ea typeface="+mn-ea"/>
+                <a:cs typeface="+mn-cs"/>
+              </a:defRPr>
+            </a:lvl5pPr>
+            <a:lvl6pPr marL="2286000" indent="0" algn="ctr" defTabSz="914400" rtl="0" eaLnBrk="1" latinLnBrk="0" hangingPunct="1">
+              <a:spcBef>
+                <a:spcPct val="20000"/>
+              </a:spcBef>
+              <a:buFont typeface="Arial" panose="020B0604020202020204" pitchFamily="34" charset="0"/>
+              <a:buNone/>
+              <a:defRPr sz="1600" kern="1200">
+                <a:solidFill>
+                  <a:schemeClr val="tx1"/>
+                </a:solidFill>
+                <a:latin typeface="+mn-lt"/>
+                <a:ea typeface="+mn-ea"/>
+                <a:cs typeface="+mn-cs"/>
+              </a:defRPr>
+            </a:lvl6pPr>
+            <a:lvl7pPr marL="2743200" indent="0" algn="ctr" defTabSz="914400" rtl="0" eaLnBrk="1" latinLnBrk="0" hangingPunct="1">
+              <a:spcBef>
+                <a:spcPct val="20000"/>
+              </a:spcBef>
+              <a:buFont typeface="Arial" panose="020B0604020202020204" pitchFamily="34" charset="0"/>
+              <a:buNone/>
+              <a:defRPr sz="1600" kern="1200">
+                <a:solidFill>
+                  <a:schemeClr val="tx1"/>
+                </a:solidFill>
+                <a:latin typeface="+mn-lt"/>
+                <a:ea typeface="+mn-ea"/>
+                <a:cs typeface="+mn-cs"/>
+              </a:defRPr>
+            </a:lvl7pPr>
+            <a:lvl8pPr marL="3200400" indent="0" algn="ctr" defTabSz="914400" rtl="0" eaLnBrk="1" latinLnBrk="0" hangingPunct="1">
+              <a:spcBef>
+                <a:spcPct val="20000"/>
+              </a:spcBef>
+              <a:buFont typeface="Arial" panose="020B0604020202020204" pitchFamily="34" charset="0"/>
+              <a:buNone/>
+              <a:defRPr sz="1600" kern="1200">
+                <a:solidFill>
+                  <a:schemeClr val="tx1"/>
+                </a:solidFill>
+                <a:latin typeface="+mn-lt"/>
+                <a:ea typeface="+mn-ea"/>
+                <a:cs typeface="+mn-cs"/>
+              </a:defRPr>
+            </a:lvl8pPr>
+            <a:lvl9pPr marL="3657600" indent="0" algn="ctr" defTabSz="914400" rtl="0" eaLnBrk="1" latinLnBrk="0" hangingPunct="1">
+              <a:spcBef>
+                <a:spcPct val="20000"/>
+              </a:spcBef>
+              <a:buFont typeface="Arial" panose="020B0604020202020204" pitchFamily="34" charset="0"/>
+              <a:buNone/>
+              <a:defRPr sz="1600" kern="1200">
+                <a:solidFill>
+                  <a:schemeClr val="tx1"/>
+                </a:solidFill>
+                <a:latin typeface="+mn-lt"/>
+                <a:ea typeface="+mn-ea"/>
+                <a:cs typeface="+mn-cs"/>
+              </a:defRPr>
+            </a:lvl9pPr>
+          </a:lstStyle>
+          <a:p>
+            <a:pPr algn="l"/>
+            <a:r>
+              <a:rPr lang="ru-RU" dirty="0"/>
+              <a:t>Горбенко Кирилл Николаевич</a:t>
             </a:r>
           </a:p>
         </p:txBody>
